--- a/15- Arquitetura de negócio .ref.pptx
+++ b/15- Arquitetura de negócio .ref.pptx
@@ -258,7 +258,7 @@
   </p:defaultTextStyle>
   <p:extLst>
     <p:ext uri="{EFAFB233-063F-42B5-8137-9DF3F51BA10A}">
-      <p15:sldGuideLst xmlns:p15="http://schemas.microsoft.com/office/powerpoint/2012/main">
+      <p15:sldGuideLst xmlns:p15="http://schemas.microsoft.com/office/powerpoint/2012/main" xmlns:p14="http://schemas.microsoft.com/office/powerpoint/2010/main" xmlns:com="http://schemas.openxmlformats.org/drawingml/2006/compatibility" xmlns:pvml="urn:schemas-microsoft-com:office:powerpoint" xmlns:v="urn:schemas-microsoft-com:vml" xmlns:o="urn:schemas-microsoft-com:office:office" xmlns:dgm="http://schemas.openxmlformats.org/drawingml/2006/diagram" xmlns:c="http://schemas.openxmlformats.org/drawingml/2006/chart" xmlns:mv="urn:schemas-microsoft-com:mac:vml" xmlns:mc="http://schemas.openxmlformats.org/markup-compatibility/2006" xmlns="">
         <p15:guide id="1" orient="horz" pos="2160">
           <p15:clr>
             <a:srgbClr val="000000"/>
@@ -270,20 +270,6 @@
           </p15:clr>
         </p15:guide>
       </p15:sldGuideLst>
-    </p:ext>
-    <p:ext uri="{2D200454-40CA-4A62-9FC3-DE9A4176ACB9}">
-      <p15:notesGuideLst xmlns:p15="http://schemas.microsoft.com/office/powerpoint/2012/main">
-        <p15:guide id="1" orient="horz" pos="2880">
-          <p15:clr>
-            <a:srgbClr val="A4A3A4"/>
-          </p15:clr>
-        </p15:guide>
-        <p15:guide id="2" pos="2160">
-          <p15:clr>
-            <a:srgbClr val="A4A3A4"/>
-          </p15:clr>
-        </p15:guide>
-      </p15:notesGuideLst>
     </p:ext>
   </p:extLst>
 </p:presentation>
@@ -372,7 +358,7 @@
             <a:fld id="{D7523A6D-4C38-4B92-890D-1B11811B79B3}" type="datetimeFigureOut">
               <a:rPr lang="pt-BR" smtClean="0"/>
               <a:pPr/>
-              <a:t>22/05/2021</a:t>
+              <a:t>19/04/2021</a:t>
             </a:fld>
             <a:endParaRPr lang="pt-BR"/>
           </a:p>
@@ -660,7 +646,7 @@
     </p:spTree>
     <p:extLst>
       <p:ext uri="{BB962C8B-B14F-4D97-AF65-F5344CB8AC3E}">
-        <p14:creationId xmlns:p14="http://schemas.microsoft.com/office/powerpoint/2010/main" val="2645093918"/>
+        <p14:creationId xmlns:p14="http://schemas.microsoft.com/office/powerpoint/2010/main" xmlns="" val="2645093918"/>
       </p:ext>
     </p:extLst>
   </p:cSld>
@@ -10862,9 +10848,10 @@
           <a:lstStyle/>
           <a:p>
             <a:r>
-              <a:rPr lang="pt-BR" sz="2800" dirty="0"/>
+              <a:rPr lang="pt-BR" sz="2800" dirty="0" smtClean="0"/>
               <a:t>Contexto de Negócio- Condomínio Jardins das cidades </a:t>
             </a:r>
+            <a:endParaRPr lang="pt-BR" sz="2800" dirty="0"/>
           </a:p>
         </p:txBody>
       </p:sp>
@@ -10905,9 +10892,10 @@
           <a:p>
             <a:pPr algn="ctr"/>
             <a:r>
-              <a:rPr lang="pt-BR" dirty="0"/>
+              <a:rPr lang="pt-BR" dirty="0" smtClean="0"/>
               <a:t>Morador</a:t>
             </a:r>
+            <a:endParaRPr lang="pt-BR" dirty="0"/>
           </a:p>
         </p:txBody>
       </p:sp>
@@ -10949,13 +10937,18 @@
           <a:p>
             <a:pPr algn="ctr"/>
             <a:r>
-              <a:rPr lang="pt-BR" dirty="0">
+              <a:rPr lang="pt-BR" dirty="0" smtClean="0">
                 <a:solidFill>
                   <a:schemeClr val="tx1"/>
                 </a:solidFill>
               </a:rPr>
               <a:t>Administração Interna </a:t>
             </a:r>
+            <a:endParaRPr lang="pt-BR" dirty="0">
+              <a:solidFill>
+                <a:schemeClr val="tx1"/>
+              </a:solidFill>
+            </a:endParaRPr>
           </a:p>
         </p:txBody>
       </p:sp>
@@ -10985,11 +10978,11 @@
               <a:buAutoNum type="arabicPeriod"/>
             </a:pPr>
             <a:r>
-              <a:rPr lang="pt-BR" sz="1200" dirty="0"/>
+              <a:rPr lang="pt-BR" sz="1200" dirty="0" smtClean="0"/>
               <a:t>Consultar informação do condomínio</a:t>
             </a:r>
             <a:r>
-              <a:rPr lang="pt-BR" sz="1300" dirty="0"/>
+              <a:rPr lang="pt-BR" sz="1300" dirty="0" smtClean="0"/>
               <a:t>,</a:t>
             </a:r>
           </a:p>
@@ -10998,7 +10991,7 @@
               <a:buAutoNum type="arabicPeriod"/>
             </a:pPr>
             <a:r>
-              <a:rPr lang="pt-BR" sz="1300" dirty="0"/>
+              <a:rPr lang="pt-BR" sz="1300" dirty="0" smtClean="0"/>
               <a:t>Atualizar informações (carro, dependentes), </a:t>
             </a:r>
           </a:p>
@@ -11007,7 +11000,7 @@
               <a:buAutoNum type="arabicPeriod"/>
             </a:pPr>
             <a:r>
-              <a:rPr lang="pt-BR" sz="1300" dirty="0"/>
+              <a:rPr lang="pt-BR" sz="1300" dirty="0" smtClean="0"/>
               <a:t>Agendar reserva área comum,</a:t>
             </a:r>
           </a:p>
@@ -11016,7 +11009,7 @@
               <a:buAutoNum type="arabicPeriod"/>
             </a:pPr>
             <a:r>
-              <a:rPr lang="pt-BR" sz="1300" dirty="0"/>
+              <a:rPr lang="pt-BR" sz="1300" dirty="0" smtClean="0"/>
               <a:t>Solicitar reunião com o síndico,</a:t>
             </a:r>
           </a:p>
@@ -11025,7 +11018,7 @@
               <a:buAutoNum type="arabicPeriod"/>
             </a:pPr>
             <a:r>
-              <a:rPr lang="pt-BR" sz="1300" dirty="0"/>
+              <a:rPr lang="pt-BR" sz="1300" dirty="0" smtClean="0"/>
               <a:t>Solicitar reunião com a administração,</a:t>
             </a:r>
           </a:p>
@@ -11034,7 +11027,7 @@
               <a:buAutoNum type="arabicPeriod"/>
             </a:pPr>
             <a:r>
-              <a:rPr lang="pt-BR" sz="1300" dirty="0"/>
+              <a:rPr lang="pt-BR" sz="1300" dirty="0" smtClean="0"/>
               <a:t>Retirar Chave do Salão área comum com Administração,</a:t>
             </a:r>
           </a:p>
@@ -11043,7 +11036,7 @@
               <a:buAutoNum type="arabicPeriod"/>
             </a:pPr>
             <a:r>
-              <a:rPr lang="pt-BR" sz="1300" dirty="0"/>
+              <a:rPr lang="pt-BR" sz="1300" dirty="0" smtClean="0"/>
               <a:t>Cadastrar prestador de serviço,</a:t>
             </a:r>
           </a:p>
@@ -11052,23 +11045,32 @@
               <a:buAutoNum type="arabicPeriod"/>
             </a:pPr>
             <a:r>
-              <a:rPr lang="pt-BR" sz="1300" dirty="0"/>
+              <a:rPr lang="pt-BR" sz="1300" dirty="0" smtClean="0"/>
               <a:t>Cancelar reserva área comum,  </a:t>
             </a:r>
           </a:p>
           <a:p>
             <a:pPr marL="342900" indent="-342900"/>
             <a:r>
-              <a:rPr lang="pt-BR" sz="1300" dirty="0"/>
-              <a:t>9.1.  Retirar encomendas, </a:t>
+              <a:rPr lang="pt-BR" sz="1300" dirty="0" smtClean="0"/>
+              <a:t>9.1.  </a:t>
+            </a:r>
+            <a:r>
+              <a:rPr lang="pt-BR" sz="1300" dirty="0" smtClean="0"/>
+              <a:t>Retirar </a:t>
+            </a:r>
+            <a:r>
+              <a:rPr lang="pt-BR" sz="1300" dirty="0" smtClean="0"/>
+              <a:t>encomendas, </a:t>
             </a:r>
           </a:p>
           <a:p>
             <a:pPr marL="342900" indent="-342900"/>
             <a:r>
-              <a:rPr lang="pt-BR" sz="1300" dirty="0"/>
+              <a:rPr lang="pt-BR" sz="1300" dirty="0" smtClean="0"/>
               <a:t>10.   Fazer reclamação, </a:t>
             </a:r>
+            <a:endParaRPr lang="pt-BR" sz="1300" dirty="0" smtClean="0"/>
           </a:p>
         </p:txBody>
       </p:sp>
@@ -11139,9 +11141,10 @@
           <a:p>
             <a:pPr algn="ctr"/>
             <a:r>
-              <a:rPr lang="pt-BR" dirty="0"/>
+              <a:rPr lang="pt-BR" dirty="0" smtClean="0"/>
               <a:t>Administração externa</a:t>
             </a:r>
+            <a:endParaRPr lang="pt-BR" dirty="0"/>
           </a:p>
         </p:txBody>
       </p:sp>
@@ -11201,9 +11204,10 @@
           <a:lstStyle/>
           <a:p>
             <a:r>
-              <a:rPr lang="pt-BR" sz="1300" dirty="0"/>
+              <a:rPr lang="pt-BR" sz="1300" dirty="0" smtClean="0"/>
               <a:t>11 - Receber fatura para emissão de boleto do condomínio. </a:t>
             </a:r>
+            <a:endParaRPr lang="pt-BR" sz="1300" dirty="0"/>
           </a:p>
         </p:txBody>
       </p:sp>
@@ -11244,9 +11248,10 @@
           <a:p>
             <a:pPr algn="ctr"/>
             <a:r>
-              <a:rPr lang="pt-BR" dirty="0"/>
+              <a:rPr lang="pt-BR" dirty="0" smtClean="0"/>
               <a:t>Entregador</a:t>
             </a:r>
+            <a:endParaRPr lang="pt-BR" dirty="0"/>
           </a:p>
         </p:txBody>
       </p:sp>
@@ -11273,9 +11278,14 @@
           <a:lstStyle/>
           <a:p>
             <a:r>
-              <a:rPr lang="pt-BR" sz="1300" dirty="0"/>
-              <a:t>9.0 – Entregar encomenda,</a:t>
+              <a:rPr lang="pt-BR" sz="1300" dirty="0" smtClean="0"/>
+              <a:t>9.0</a:t>
             </a:r>
+            <a:r>
+              <a:rPr lang="pt-BR" sz="1300" dirty="0" smtClean="0"/>
+              <a:t> – Entregar encomenda,</a:t>
+            </a:r>
+            <a:endParaRPr lang="pt-BR" sz="1300" dirty="0"/>
           </a:p>
         </p:txBody>
       </p:sp>
@@ -11348,7 +11358,7 @@
     </p:spTree>
     <p:extLst>
       <p:ext uri="{BB962C8B-B14F-4D97-AF65-F5344CB8AC3E}">
-        <p14:creationId xmlns:p14="http://schemas.microsoft.com/office/powerpoint/2010/main" val="1314229292"/>
+        <p14:creationId xmlns:p14="http://schemas.microsoft.com/office/powerpoint/2010/main" xmlns="" val="1314229292"/>
       </p:ext>
     </p:extLst>
   </p:cSld>
@@ -11391,11 +11401,19 @@
           <a:lstStyle/>
           <a:p>
             <a:r>
-              <a:rPr lang="pt-BR" sz="2800" dirty="0"/>
-              <a:t>9.0 – Entregar encomenda</a:t>
+              <a:rPr lang="pt-BR" sz="2800" dirty="0" smtClean="0"/>
+              <a:t>9.0 – </a:t>
+            </a:r>
+            <a:r>
+              <a:rPr lang="pt-BR" sz="2800" dirty="0" smtClean="0"/>
+              <a:t>Entregar encomenda</a:t>
+            </a:r>
+            <a:r>
+              <a:rPr lang="pt-BR" dirty="0" smtClean="0"/>
+              <a:t/>
             </a:r>
             <a:br>
-              <a:rPr lang="pt-BR" dirty="0"/>
+              <a:rPr lang="pt-BR" dirty="0" smtClean="0"/>
             </a:br>
             <a:endParaRPr lang="pt-BR" dirty="0"/>
           </a:p>
@@ -11438,9 +11456,10 @@
           <a:p>
             <a:pPr algn="ctr"/>
             <a:r>
-              <a:rPr lang="pt-BR" dirty="0"/>
+              <a:rPr lang="pt-BR" dirty="0" smtClean="0"/>
               <a:t>Entregador </a:t>
             </a:r>
+            <a:endParaRPr lang="pt-BR" dirty="0"/>
           </a:p>
         </p:txBody>
       </p:sp>
@@ -11482,7 +11501,7 @@
           <a:p>
             <a:pPr algn="ctr"/>
             <a:r>
-              <a:rPr lang="pt-BR" dirty="0">
+              <a:rPr lang="pt-BR" dirty="0" smtClean="0">
                 <a:solidFill>
                   <a:schemeClr val="tx1"/>
                 </a:solidFill>
@@ -11500,7 +11519,7 @@
           </a:p>
           <a:p>
             <a:pPr algn="ctr"/>
-            <a:endParaRPr lang="pt-BR" dirty="0">
+            <a:endParaRPr lang="pt-BR" dirty="0" smtClean="0">
               <a:solidFill>
                 <a:schemeClr val="tx1"/>
               </a:solidFill>
@@ -11516,7 +11535,7 @@
           </a:p>
           <a:p>
             <a:pPr algn="ctr"/>
-            <a:endParaRPr lang="pt-BR" dirty="0">
+            <a:endParaRPr lang="pt-BR" dirty="0" smtClean="0">
               <a:solidFill>
                 <a:schemeClr val="tx1"/>
               </a:solidFill>
@@ -11532,7 +11551,7 @@
           </a:p>
           <a:p>
             <a:pPr algn="ctr"/>
-            <a:endParaRPr lang="pt-BR" dirty="0">
+            <a:endParaRPr lang="pt-BR" dirty="0" smtClean="0">
               <a:solidFill>
                 <a:schemeClr val="tx1"/>
               </a:solidFill>
@@ -11605,14 +11624,14 @@
           <a:p>
             <a:pPr algn="ctr"/>
             <a:r>
-              <a:rPr lang="pt-BR" sz="1000" dirty="0">
+              <a:rPr lang="pt-BR" sz="1000" dirty="0" smtClean="0">
                 <a:solidFill>
                   <a:schemeClr val="tx1"/>
                 </a:solidFill>
               </a:rPr>
               <a:t>Recepção</a:t>
             </a:r>
-            <a:endParaRPr lang="pt-BR" sz="1000" b="1" dirty="0">
+            <a:endParaRPr lang="pt-BR" sz="1000" b="1" dirty="0" smtClean="0">
               <a:solidFill>
                 <a:schemeClr val="tx1"/>
               </a:solidFill>
@@ -11621,13 +11640,18 @@
           <a:p>
             <a:pPr algn="ctr"/>
             <a:r>
-              <a:rPr lang="pt-BR" sz="1000" b="1" dirty="0">
+              <a:rPr lang="pt-BR" sz="1000" b="1" dirty="0" smtClean="0">
                 <a:solidFill>
                   <a:schemeClr val="tx1"/>
                 </a:solidFill>
               </a:rPr>
               <a:t>(Nó Operacional)</a:t>
             </a:r>
+            <a:endParaRPr lang="pt-BR" sz="1000" b="1" dirty="0">
+              <a:solidFill>
+                <a:schemeClr val="tx1"/>
+              </a:solidFill>
+            </a:endParaRPr>
           </a:p>
         </p:txBody>
       </p:sp>
@@ -11705,9 +11729,10 @@
           <a:p>
             <a:pPr algn="ctr"/>
             <a:r>
-              <a:rPr lang="pt-BR" sz="800" b="1" dirty="0"/>
+              <a:rPr lang="pt-BR" sz="800" b="1" dirty="0" smtClean="0"/>
               <a:t>Receber a encomenda</a:t>
             </a:r>
+            <a:endParaRPr lang="pt-BR" sz="800" b="1" dirty="0"/>
           </a:p>
         </p:txBody>
       </p:sp>
@@ -11784,18 +11809,38 @@
           <a:bodyPr/>
           <a:lstStyle/>
           <a:p>
+            <a:r>
+              <a:rPr lang="pt-BR" sz="2800" dirty="0" smtClean="0"/>
+              <a:t/>
+            </a:r>
             <a:br>
-              <a:rPr lang="pt-BR" sz="2800" dirty="0"/>
+              <a:rPr lang="pt-BR" sz="2800" dirty="0" smtClean="0"/>
             </a:br>
             <a:r>
-              <a:rPr lang="pt-BR" sz="2800" dirty="0"/>
-              <a:t>9.1 Cenário: Retirar encomenda </a:t>
+              <a:rPr lang="pt-BR" sz="2800" dirty="0" smtClean="0"/>
+              <a:t>9.1 </a:t>
+            </a:r>
+            <a:r>
+              <a:rPr lang="pt-BR" sz="2800" dirty="0" smtClean="0"/>
+              <a:t>Cenário: Retirar </a:t>
+            </a:r>
+            <a:r>
+              <a:rPr lang="pt-BR" sz="2800" dirty="0" smtClean="0"/>
+              <a:t>encomenda </a:t>
+            </a:r>
+            <a:r>
+              <a:rPr lang="pt-BR" sz="2800" dirty="0" smtClean="0"/>
+              <a:t/>
             </a:r>
             <a:br>
-              <a:rPr lang="pt-BR" sz="2800" dirty="0"/>
+              <a:rPr lang="pt-BR" sz="2800" dirty="0" smtClean="0"/>
             </a:br>
+            <a:r>
+              <a:rPr lang="pt-BR" sz="2800" dirty="0" smtClean="0"/>
+              <a:t/>
+            </a:r>
             <a:br>
-              <a:rPr lang="pt-BR" sz="2800" dirty="0"/>
+              <a:rPr lang="pt-BR" sz="2800" dirty="0" smtClean="0"/>
             </a:br>
             <a:endParaRPr lang="pt-BR" sz="2800" dirty="0"/>
           </a:p>
@@ -11860,9 +11905,10 @@
           <a:p>
             <a:pPr algn="ctr"/>
             <a:r>
-              <a:rPr lang="pt-BR" dirty="0"/>
+              <a:rPr lang="pt-BR" dirty="0" smtClean="0"/>
               <a:t>Morador</a:t>
             </a:r>
+            <a:endParaRPr lang="pt-BR" dirty="0"/>
           </a:p>
         </p:txBody>
       </p:sp>
@@ -11904,7 +11950,7 @@
           <a:p>
             <a:pPr algn="ctr"/>
             <a:r>
-              <a:rPr lang="pt-BR" dirty="0">
+              <a:rPr lang="pt-BR" dirty="0" smtClean="0">
                 <a:solidFill>
                   <a:schemeClr val="tx1"/>
                 </a:solidFill>
@@ -11922,7 +11968,7 @@
           </a:p>
           <a:p>
             <a:pPr algn="ctr"/>
-            <a:endParaRPr lang="pt-BR" dirty="0">
+            <a:endParaRPr lang="pt-BR" dirty="0" smtClean="0">
               <a:solidFill>
                 <a:schemeClr val="tx1"/>
               </a:solidFill>
@@ -11938,7 +11984,7 @@
           </a:p>
           <a:p>
             <a:pPr algn="ctr"/>
-            <a:endParaRPr lang="pt-BR" dirty="0">
+            <a:endParaRPr lang="pt-BR" dirty="0" smtClean="0">
               <a:solidFill>
                 <a:schemeClr val="tx1"/>
               </a:solidFill>
@@ -11954,7 +12000,7 @@
           </a:p>
           <a:p>
             <a:pPr algn="ctr"/>
-            <a:endParaRPr lang="pt-BR" dirty="0">
+            <a:endParaRPr lang="pt-BR" dirty="0" smtClean="0">
               <a:solidFill>
                 <a:schemeClr val="tx1"/>
               </a:solidFill>
@@ -12027,14 +12073,14 @@
           <a:p>
             <a:pPr algn="ctr"/>
             <a:r>
-              <a:rPr lang="pt-BR" sz="1000" dirty="0">
+              <a:rPr lang="pt-BR" sz="1000" dirty="0" smtClean="0">
                 <a:solidFill>
                   <a:schemeClr val="tx1"/>
                 </a:solidFill>
               </a:rPr>
               <a:t>Recepção</a:t>
             </a:r>
-            <a:endParaRPr lang="pt-BR" sz="1000" b="1" dirty="0">
+            <a:endParaRPr lang="pt-BR" sz="1000" b="1" dirty="0" smtClean="0">
               <a:solidFill>
                 <a:schemeClr val="tx1"/>
               </a:solidFill>
@@ -12043,13 +12089,18 @@
           <a:p>
             <a:pPr algn="ctr"/>
             <a:r>
-              <a:rPr lang="pt-BR" sz="1000" b="1" dirty="0">
+              <a:rPr lang="pt-BR" sz="1000" b="1" dirty="0" smtClean="0">
                 <a:solidFill>
                   <a:schemeClr val="tx1"/>
                 </a:solidFill>
               </a:rPr>
               <a:t>(Nó Operacional)</a:t>
             </a:r>
+            <a:endParaRPr lang="pt-BR" sz="1000" b="1" dirty="0">
+              <a:solidFill>
+                <a:schemeClr val="tx1"/>
+              </a:solidFill>
+            </a:endParaRPr>
           </a:p>
         </p:txBody>
       </p:sp>
@@ -12127,9 +12178,14 @@
           <a:p>
             <a:pPr algn="ctr"/>
             <a:r>
-              <a:rPr lang="pt-BR" sz="1000" dirty="0"/>
-              <a:t>Tratar  retirada da  encomenda</a:t>
+              <a:rPr lang="pt-BR" sz="1000" dirty="0" smtClean="0"/>
+              <a:t>Tratar  retirada da  </a:t>
             </a:r>
+            <a:r>
+              <a:rPr lang="pt-BR" sz="1000" dirty="0" smtClean="0"/>
+              <a:t>encomenda</a:t>
+            </a:r>
+            <a:endParaRPr lang="pt-BR" sz="1000" dirty="0" smtClean="0"/>
           </a:p>
         </p:txBody>
       </p:sp>
@@ -12206,18 +12262,26 @@
           <a:bodyPr/>
           <a:lstStyle/>
           <a:p>
+            <a:r>
+              <a:rPr lang="pt-BR" sz="2800" dirty="0" smtClean="0"/>
+              <a:t/>
+            </a:r>
             <a:br>
-              <a:rPr lang="pt-BR" sz="2800" dirty="0"/>
+              <a:rPr lang="pt-BR" sz="2800" dirty="0" smtClean="0"/>
             </a:br>
             <a:r>
-              <a:rPr lang="pt-BR" sz="2800" dirty="0"/>
+              <a:rPr lang="pt-BR" sz="2800" dirty="0" smtClean="0"/>
               <a:t>10. Cenário: Fazer reclamação </a:t>
             </a:r>
             <a:br>
-              <a:rPr lang="pt-BR" sz="2800" dirty="0"/>
+              <a:rPr lang="pt-BR" sz="2800" dirty="0" smtClean="0"/>
             </a:br>
+            <a:r>
+              <a:rPr lang="pt-BR" sz="2800" dirty="0" smtClean="0"/>
+              <a:t/>
+            </a:r>
             <a:br>
-              <a:rPr lang="pt-BR" sz="2800" dirty="0"/>
+              <a:rPr lang="pt-BR" sz="2800" dirty="0" smtClean="0"/>
             </a:br>
             <a:endParaRPr lang="pt-BR" sz="2800" dirty="0"/>
           </a:p>
@@ -12282,9 +12346,10 @@
           <a:p>
             <a:pPr algn="ctr"/>
             <a:r>
-              <a:rPr lang="pt-BR" dirty="0"/>
+              <a:rPr lang="pt-BR" dirty="0" smtClean="0"/>
               <a:t>Morador</a:t>
             </a:r>
+            <a:endParaRPr lang="pt-BR" dirty="0"/>
           </a:p>
         </p:txBody>
       </p:sp>
@@ -12326,7 +12391,7 @@
           <a:p>
             <a:pPr algn="ctr"/>
             <a:r>
-              <a:rPr lang="pt-BR" dirty="0">
+              <a:rPr lang="pt-BR" dirty="0" smtClean="0">
                 <a:solidFill>
                   <a:schemeClr val="tx1"/>
                 </a:solidFill>
@@ -12344,7 +12409,7 @@
           </a:p>
           <a:p>
             <a:pPr algn="ctr"/>
-            <a:endParaRPr lang="pt-BR" dirty="0">
+            <a:endParaRPr lang="pt-BR" dirty="0" smtClean="0">
               <a:solidFill>
                 <a:schemeClr val="tx1"/>
               </a:solidFill>
@@ -12360,7 +12425,7 @@
           </a:p>
           <a:p>
             <a:pPr algn="ctr"/>
-            <a:endParaRPr lang="pt-BR" dirty="0">
+            <a:endParaRPr lang="pt-BR" dirty="0" smtClean="0">
               <a:solidFill>
                 <a:schemeClr val="tx1"/>
               </a:solidFill>
@@ -12376,7 +12441,7 @@
           </a:p>
           <a:p>
             <a:pPr algn="ctr"/>
-            <a:endParaRPr lang="pt-BR" dirty="0">
+            <a:endParaRPr lang="pt-BR" dirty="0" smtClean="0">
               <a:solidFill>
                 <a:schemeClr val="tx1"/>
               </a:solidFill>
@@ -12449,14 +12514,14 @@
           <a:p>
             <a:pPr algn="ctr"/>
             <a:r>
-              <a:rPr lang="pt-BR" sz="1000" dirty="0">
+              <a:rPr lang="pt-BR" sz="1000" dirty="0" smtClean="0">
                 <a:solidFill>
                   <a:schemeClr val="tx1"/>
                 </a:solidFill>
               </a:rPr>
               <a:t>Recepção</a:t>
             </a:r>
-            <a:endParaRPr lang="pt-BR" sz="1000" b="1" dirty="0">
+            <a:endParaRPr lang="pt-BR" sz="1000" b="1" dirty="0" smtClean="0">
               <a:solidFill>
                 <a:schemeClr val="tx1"/>
               </a:solidFill>
@@ -12465,13 +12530,18 @@
           <a:p>
             <a:pPr algn="ctr"/>
             <a:r>
-              <a:rPr lang="pt-BR" sz="1000" b="1" dirty="0">
+              <a:rPr lang="pt-BR" sz="1000" b="1" dirty="0" smtClean="0">
                 <a:solidFill>
                   <a:schemeClr val="tx1"/>
                 </a:solidFill>
               </a:rPr>
               <a:t>(Nó Operacional)</a:t>
             </a:r>
+            <a:endParaRPr lang="pt-BR" sz="1000" b="1" dirty="0">
+              <a:solidFill>
+                <a:schemeClr val="tx1"/>
+              </a:solidFill>
+            </a:endParaRPr>
           </a:p>
         </p:txBody>
       </p:sp>
@@ -12549,9 +12619,14 @@
           <a:p>
             <a:pPr algn="ctr"/>
             <a:r>
-              <a:rPr lang="pt-BR" sz="1000" dirty="0"/>
-              <a:t>Tratar da  reclamação</a:t>
+              <a:rPr lang="pt-BR" sz="1000" dirty="0" smtClean="0"/>
+              <a:t>Tratar da  </a:t>
             </a:r>
+            <a:r>
+              <a:rPr lang="pt-BR" sz="1000" dirty="0" smtClean="0"/>
+              <a:t>reclamação</a:t>
+            </a:r>
+            <a:endParaRPr lang="pt-BR" sz="1000" dirty="0" smtClean="0"/>
           </a:p>
         </p:txBody>
       </p:sp>
@@ -12653,8 +12728,26 @@
               <a:tabLst/>
               <a:defRPr/>
             </a:pPr>
+            <a:r>
+              <a:rPr kumimoji="0" lang="pt-BR" sz="2800" b="0" i="0" u="none" strike="noStrike" kern="0" cap="none" spc="0" normalizeH="0" baseline="0" noProof="0" dirty="0" smtClean="0">
+                <a:ln>
+                  <a:noFill/>
+                </a:ln>
+                <a:solidFill>
+                  <a:srgbClr val="000000"/>
+                </a:solidFill>
+                <a:effectLst/>
+                <a:uLnTx/>
+                <a:uFillTx/>
+                <a:latin typeface="Arial"/>
+                <a:ea typeface="Arial"/>
+                <a:cs typeface="Arial"/>
+                <a:sym typeface="Arial"/>
+              </a:rPr>
+              <a:t/>
+            </a:r>
             <a:br>
-              <a:rPr kumimoji="0" lang="pt-BR" sz="2800" b="0" i="0" u="none" strike="noStrike" kern="0" cap="none" spc="0" normalizeH="0" baseline="0" noProof="0" dirty="0">
+              <a:rPr kumimoji="0" lang="pt-BR" sz="2800" b="0" i="0" u="none" strike="noStrike" kern="0" cap="none" spc="0" normalizeH="0" baseline="0" noProof="0" dirty="0" smtClean="0">
                 <a:ln>
                   <a:noFill/>
                 </a:ln>
@@ -12671,7 +12764,7 @@
               </a:rPr>
             </a:br>
             <a:r>
-              <a:rPr kumimoji="0" lang="pt-BR" sz="2800" b="0" i="0" u="none" strike="noStrike" kern="0" cap="none" spc="0" normalizeH="0" baseline="0" noProof="0" dirty="0">
+              <a:rPr kumimoji="0" lang="pt-BR" sz="2800" b="0" i="0" u="none" strike="noStrike" kern="0" cap="none" spc="0" normalizeH="0" baseline="0" noProof="0" dirty="0" smtClean="0">
                 <a:ln>
                   <a:noFill/>
                 </a:ln>
@@ -12689,7 +12782,7 @@
               <a:t>11</a:t>
             </a:r>
             <a:r>
-              <a:rPr kumimoji="0" lang="pt-BR" sz="2800" b="0" i="0" u="none" strike="noStrike" kern="0" cap="none" spc="0" normalizeH="0" noProof="0" dirty="0">
+              <a:rPr kumimoji="0" lang="pt-BR" sz="2800" b="0" i="0" u="none" strike="noStrike" kern="0" cap="none" spc="0" normalizeH="0" noProof="0" dirty="0" smtClean="0">
                 <a:ln>
                   <a:noFill/>
                 </a:ln>
@@ -12707,7 +12800,7 @@
               <a:t> </a:t>
             </a:r>
             <a:r>
-              <a:rPr kumimoji="0" lang="pt-BR" sz="2800" b="0" i="0" u="none" strike="noStrike" kern="0" cap="none" spc="0" normalizeH="0" baseline="0" noProof="0" dirty="0">
+              <a:rPr kumimoji="0" lang="pt-BR" sz="2800" b="0" i="0" u="none" strike="noStrike" kern="0" cap="none" spc="0" normalizeH="0" baseline="0" noProof="0" dirty="0" smtClean="0">
                 <a:ln>
                   <a:noFill/>
                 </a:ln>
@@ -12725,7 +12818,7 @@
               <a:t>Cenário: Receber</a:t>
             </a:r>
             <a:r>
-              <a:rPr kumimoji="0" lang="pt-BR" sz="2800" b="0" i="0" u="none" strike="noStrike" kern="0" cap="none" spc="0" normalizeH="0" noProof="0" dirty="0">
+              <a:rPr kumimoji="0" lang="pt-BR" sz="2800" b="0" i="0" u="none" strike="noStrike" kern="0" cap="none" spc="0" normalizeH="0" noProof="0" dirty="0" smtClean="0">
                 <a:ln>
                   <a:noFill/>
                 </a:ln>
@@ -12742,8 +12835,26 @@
               </a:rPr>
               <a:t> fatura para emissão de boleto do condomínio </a:t>
             </a:r>
+            <a:r>
+              <a:rPr kumimoji="0" lang="pt-BR" sz="2800" b="0" i="0" u="none" strike="noStrike" kern="0" cap="none" spc="0" normalizeH="0" baseline="0" noProof="0" dirty="0" smtClean="0">
+                <a:ln>
+                  <a:noFill/>
+                </a:ln>
+                <a:solidFill>
+                  <a:srgbClr val="000000"/>
+                </a:solidFill>
+                <a:effectLst/>
+                <a:uLnTx/>
+                <a:uFillTx/>
+                <a:latin typeface="Arial"/>
+                <a:ea typeface="Arial"/>
+                <a:cs typeface="Arial"/>
+                <a:sym typeface="Arial"/>
+              </a:rPr>
+              <a:t/>
+            </a:r>
             <a:br>
-              <a:rPr kumimoji="0" lang="pt-BR" sz="2800" b="0" i="0" u="none" strike="noStrike" kern="0" cap="none" spc="0" normalizeH="0" baseline="0" noProof="0" dirty="0">
+              <a:rPr kumimoji="0" lang="pt-BR" sz="2800" b="0" i="0" u="none" strike="noStrike" kern="0" cap="none" spc="0" normalizeH="0" baseline="0" noProof="0" dirty="0" smtClean="0">
                 <a:ln>
                   <a:noFill/>
                 </a:ln>
@@ -12759,8 +12870,26 @@
                 <a:sym typeface="Arial"/>
               </a:rPr>
             </a:br>
+            <a:r>
+              <a:rPr kumimoji="0" lang="pt-BR" sz="2800" b="0" i="0" u="none" strike="noStrike" kern="0" cap="none" spc="0" normalizeH="0" baseline="0" noProof="0" dirty="0" smtClean="0">
+                <a:ln>
+                  <a:noFill/>
+                </a:ln>
+                <a:solidFill>
+                  <a:srgbClr val="000000"/>
+                </a:solidFill>
+                <a:effectLst/>
+                <a:uLnTx/>
+                <a:uFillTx/>
+                <a:latin typeface="Arial"/>
+                <a:ea typeface="Arial"/>
+                <a:cs typeface="Arial"/>
+                <a:sym typeface="Arial"/>
+              </a:rPr>
+              <a:t/>
+            </a:r>
             <a:br>
-              <a:rPr kumimoji="0" lang="pt-BR" sz="2800" b="0" i="0" u="none" strike="noStrike" kern="0" cap="none" spc="0" normalizeH="0" baseline="0" noProof="0" dirty="0">
+              <a:rPr kumimoji="0" lang="pt-BR" sz="2800" b="0" i="0" u="none" strike="noStrike" kern="0" cap="none" spc="0" normalizeH="0" baseline="0" noProof="0" dirty="0" smtClean="0">
                 <a:ln>
                   <a:noFill/>
                 </a:ln>
@@ -12831,9 +12960,10 @@
           <a:p>
             <a:pPr algn="ctr"/>
             <a:r>
-              <a:rPr lang="pt-BR" dirty="0"/>
+              <a:rPr lang="pt-BR" dirty="0" smtClean="0"/>
               <a:t>Administração Externa </a:t>
             </a:r>
+            <a:endParaRPr lang="pt-BR" dirty="0"/>
           </a:p>
         </p:txBody>
       </p:sp>
@@ -12875,7 +13005,7 @@
           <a:p>
             <a:pPr algn="ctr"/>
             <a:r>
-              <a:rPr lang="pt-BR" dirty="0">
+              <a:rPr lang="pt-BR" dirty="0" smtClean="0">
                 <a:solidFill>
                   <a:schemeClr val="tx1"/>
                 </a:solidFill>
@@ -12893,7 +13023,7 @@
           </a:p>
           <a:p>
             <a:pPr algn="ctr"/>
-            <a:endParaRPr lang="pt-BR" dirty="0">
+            <a:endParaRPr lang="pt-BR" dirty="0" smtClean="0">
               <a:solidFill>
                 <a:schemeClr val="tx1"/>
               </a:solidFill>
@@ -12909,7 +13039,7 @@
           </a:p>
           <a:p>
             <a:pPr algn="ctr"/>
-            <a:endParaRPr lang="pt-BR" dirty="0">
+            <a:endParaRPr lang="pt-BR" dirty="0" smtClean="0">
               <a:solidFill>
                 <a:schemeClr val="tx1"/>
               </a:solidFill>
@@ -12925,7 +13055,7 @@
           </a:p>
           <a:p>
             <a:pPr algn="ctr"/>
-            <a:endParaRPr lang="pt-BR" dirty="0">
+            <a:endParaRPr lang="pt-BR" dirty="0" smtClean="0">
               <a:solidFill>
                 <a:schemeClr val="tx1"/>
               </a:solidFill>
@@ -12998,14 +13128,14 @@
           <a:p>
             <a:pPr algn="ctr"/>
             <a:r>
-              <a:rPr lang="pt-BR" sz="1000" dirty="0">
+              <a:rPr lang="pt-BR" sz="1000" dirty="0" smtClean="0">
                 <a:solidFill>
                   <a:schemeClr val="tx1"/>
                 </a:solidFill>
               </a:rPr>
               <a:t>Recepção</a:t>
             </a:r>
-            <a:endParaRPr lang="pt-BR" sz="1000" b="1" dirty="0">
+            <a:endParaRPr lang="pt-BR" sz="1000" b="1" dirty="0" smtClean="0">
               <a:solidFill>
                 <a:schemeClr val="tx1"/>
               </a:solidFill>
@@ -13014,13 +13144,18 @@
           <a:p>
             <a:pPr algn="ctr"/>
             <a:r>
-              <a:rPr lang="pt-BR" sz="1000" b="1" dirty="0">
+              <a:rPr lang="pt-BR" sz="1000" b="1" dirty="0" smtClean="0">
                 <a:solidFill>
                   <a:schemeClr val="tx1"/>
                 </a:solidFill>
               </a:rPr>
               <a:t>(Nó Operacional)</a:t>
             </a:r>
+            <a:endParaRPr lang="pt-BR" sz="1000" b="1" dirty="0">
+              <a:solidFill>
+                <a:schemeClr val="tx1"/>
+              </a:solidFill>
+            </a:endParaRPr>
           </a:p>
         </p:txBody>
       </p:sp>
@@ -13098,9 +13233,10 @@
           <a:p>
             <a:pPr algn="ctr"/>
             <a:r>
-              <a:rPr lang="pt-BR" sz="800" b="1" dirty="0"/>
+              <a:rPr lang="pt-BR" sz="800" b="1" dirty="0" smtClean="0"/>
               <a:t>Solicitar o Boleto </a:t>
             </a:r>
+            <a:endParaRPr lang="pt-BR" sz="800" b="1" dirty="0"/>
           </a:p>
         </p:txBody>
       </p:sp>
@@ -13188,9 +13324,18 @@
               <a:buAutoNum type="arabicPeriod"/>
             </a:pPr>
             <a:r>
+              <a:rPr lang="pt-BR" sz="2800" dirty="0" smtClean="0"/>
+              <a:t>Cenário: </a:t>
+            </a:r>
+            <a:r>
               <a:rPr lang="pt-BR" sz="2800" dirty="0"/>
-              <a:t>Cenário: Consultar informação do condomínio</a:t>
+              <a:t>Consultar </a:t>
             </a:r>
+            <a:r>
+              <a:rPr lang="pt-BR" sz="2800" dirty="0" smtClean="0"/>
+              <a:t>informação do condomínio</a:t>
+            </a:r>
+            <a:endParaRPr lang="pt-BR" sz="2800" dirty="0"/>
           </a:p>
         </p:txBody>
       </p:sp>
@@ -13231,9 +13376,10 @@
           <a:p>
             <a:pPr algn="ctr"/>
             <a:r>
-              <a:rPr lang="pt-BR" dirty="0"/>
+              <a:rPr lang="pt-BR" dirty="0" smtClean="0"/>
               <a:t>Morador</a:t>
             </a:r>
+            <a:endParaRPr lang="pt-BR" dirty="0"/>
           </a:p>
         </p:txBody>
       </p:sp>
@@ -13275,7 +13421,7 @@
           <a:p>
             <a:pPr algn="ctr"/>
             <a:r>
-              <a:rPr lang="pt-BR" dirty="0">
+              <a:rPr lang="pt-BR" dirty="0" smtClean="0">
                 <a:solidFill>
                   <a:schemeClr val="tx1"/>
                 </a:solidFill>
@@ -13293,7 +13439,7 @@
           </a:p>
           <a:p>
             <a:pPr algn="ctr"/>
-            <a:endParaRPr lang="pt-BR" dirty="0">
+            <a:endParaRPr lang="pt-BR" dirty="0" smtClean="0">
               <a:solidFill>
                 <a:schemeClr val="tx1"/>
               </a:solidFill>
@@ -13309,7 +13455,7 @@
           </a:p>
           <a:p>
             <a:pPr algn="ctr"/>
-            <a:endParaRPr lang="pt-BR" dirty="0">
+            <a:endParaRPr lang="pt-BR" dirty="0" smtClean="0">
               <a:solidFill>
                 <a:schemeClr val="tx1"/>
               </a:solidFill>
@@ -13325,7 +13471,7 @@
           </a:p>
           <a:p>
             <a:pPr algn="ctr"/>
-            <a:endParaRPr lang="pt-BR" dirty="0">
+            <a:endParaRPr lang="pt-BR" dirty="0" smtClean="0">
               <a:solidFill>
                 <a:schemeClr val="tx1"/>
               </a:solidFill>
@@ -13398,14 +13544,14 @@
           <a:p>
             <a:pPr algn="ctr"/>
             <a:r>
-              <a:rPr lang="pt-BR" sz="1000" dirty="0">
+              <a:rPr lang="pt-BR" sz="1000" dirty="0" smtClean="0">
                 <a:solidFill>
                   <a:schemeClr val="tx1"/>
                 </a:solidFill>
               </a:rPr>
               <a:t>Recepção</a:t>
             </a:r>
-            <a:endParaRPr lang="pt-BR" sz="1000" b="1" dirty="0">
+            <a:endParaRPr lang="pt-BR" sz="1000" b="1" dirty="0" smtClean="0">
               <a:solidFill>
                 <a:schemeClr val="tx1"/>
               </a:solidFill>
@@ -13414,13 +13560,18 @@
           <a:p>
             <a:pPr algn="ctr"/>
             <a:r>
-              <a:rPr lang="pt-BR" sz="1000" b="1" dirty="0">
+              <a:rPr lang="pt-BR" sz="1000" b="1" dirty="0" smtClean="0">
                 <a:solidFill>
                   <a:schemeClr val="tx1"/>
                 </a:solidFill>
               </a:rPr>
               <a:t>(Nó Operacional)</a:t>
             </a:r>
+            <a:endParaRPr lang="pt-BR" sz="1000" b="1" dirty="0">
+              <a:solidFill>
+                <a:schemeClr val="tx1"/>
+              </a:solidFill>
+            </a:endParaRPr>
           </a:p>
         </p:txBody>
       </p:sp>
@@ -13498,9 +13649,14 @@
           <a:p>
             <a:pPr algn="ctr"/>
             <a:r>
-              <a:rPr lang="pt-BR" sz="1000" b="1" dirty="0"/>
-              <a:t> Disponibilizar as informações</a:t>
+              <a:rPr lang="pt-BR" sz="1000" b="1" dirty="0" smtClean="0"/>
+              <a:t> Disponibilizar as </a:t>
             </a:r>
+            <a:r>
+              <a:rPr lang="pt-BR" sz="1000" b="1" dirty="0" smtClean="0"/>
+              <a:t>informações</a:t>
+            </a:r>
+            <a:endParaRPr lang="pt-BR" sz="1000" b="1" dirty="0" smtClean="0"/>
           </a:p>
         </p:txBody>
       </p:sp>
@@ -13540,7 +13696,7 @@
     </p:spTree>
     <p:extLst>
       <p:ext uri="{BB962C8B-B14F-4D97-AF65-F5344CB8AC3E}">
-        <p14:creationId xmlns:p14="http://schemas.microsoft.com/office/powerpoint/2010/main" val="1945589696"/>
+        <p14:creationId xmlns:p14="http://schemas.microsoft.com/office/powerpoint/2010/main" xmlns="" val="1945589696"/>
       </p:ext>
     </p:extLst>
   </p:cSld>
@@ -13582,21 +13738,37 @@
           <a:bodyPr/>
           <a:lstStyle/>
           <a:p>
+            <a:r>
+              <a:rPr lang="pt-BR" sz="2800" dirty="0" smtClean="0"/>
+              <a:t/>
+            </a:r>
             <a:br>
-              <a:rPr lang="pt-BR" sz="2800" dirty="0"/>
-            </a:br>
-            <a:br>
-              <a:rPr lang="pt-BR" sz="2800" dirty="0"/>
+              <a:rPr lang="pt-BR" sz="2800" dirty="0" smtClean="0"/>
             </a:br>
             <a:r>
-              <a:rPr lang="pt-BR" sz="2800" dirty="0"/>
+              <a:rPr lang="pt-BR" sz="2800" dirty="0" smtClean="0"/>
+              <a:t/>
+            </a:r>
+            <a:br>
+              <a:rPr lang="pt-BR" sz="2800" dirty="0" smtClean="0"/>
+            </a:br>
+            <a:r>
+              <a:rPr lang="pt-BR" sz="2800" dirty="0" smtClean="0"/>
               <a:t>2. Cenário: Atualizar informações (Carro, dependentes) </a:t>
             </a:r>
+            <a:r>
+              <a:rPr lang="pt-BR" dirty="0" smtClean="0"/>
+              <a:t/>
+            </a:r>
             <a:br>
-              <a:rPr lang="pt-BR" dirty="0"/>
+              <a:rPr lang="pt-BR" dirty="0" smtClean="0"/>
             </a:br>
+            <a:r>
+              <a:rPr lang="pt-BR" dirty="0" smtClean="0"/>
+              <a:t/>
+            </a:r>
             <a:br>
-              <a:rPr lang="pt-BR" dirty="0"/>
+              <a:rPr lang="pt-BR" dirty="0" smtClean="0"/>
             </a:br>
             <a:endParaRPr lang="pt-BR" dirty="0"/>
           </a:p>
@@ -13658,9 +13830,10 @@
           <a:p>
             <a:pPr algn="ctr"/>
             <a:r>
-              <a:rPr lang="pt-BR" dirty="0"/>
+              <a:rPr lang="pt-BR" dirty="0" smtClean="0"/>
               <a:t>Morador</a:t>
             </a:r>
+            <a:endParaRPr lang="pt-BR" dirty="0"/>
           </a:p>
         </p:txBody>
       </p:sp>
@@ -13702,7 +13875,7 @@
           <a:p>
             <a:pPr algn="ctr"/>
             <a:r>
-              <a:rPr lang="pt-BR" dirty="0">
+              <a:rPr lang="pt-BR" dirty="0" smtClean="0">
                 <a:solidFill>
                   <a:schemeClr val="tx1"/>
                 </a:solidFill>
@@ -13720,7 +13893,7 @@
           </a:p>
           <a:p>
             <a:pPr algn="ctr"/>
-            <a:endParaRPr lang="pt-BR" dirty="0">
+            <a:endParaRPr lang="pt-BR" dirty="0" smtClean="0">
               <a:solidFill>
                 <a:schemeClr val="tx1"/>
               </a:solidFill>
@@ -13736,7 +13909,7 @@
           </a:p>
           <a:p>
             <a:pPr algn="ctr"/>
-            <a:endParaRPr lang="pt-BR" dirty="0">
+            <a:endParaRPr lang="pt-BR" dirty="0" smtClean="0">
               <a:solidFill>
                 <a:schemeClr val="tx1"/>
               </a:solidFill>
@@ -13752,7 +13925,7 @@
           </a:p>
           <a:p>
             <a:pPr algn="ctr"/>
-            <a:endParaRPr lang="pt-BR" dirty="0">
+            <a:endParaRPr lang="pt-BR" dirty="0" smtClean="0">
               <a:solidFill>
                 <a:schemeClr val="tx1"/>
               </a:solidFill>
@@ -13825,14 +13998,14 @@
           <a:p>
             <a:pPr algn="ctr"/>
             <a:r>
-              <a:rPr lang="pt-BR" sz="1000" dirty="0">
+              <a:rPr lang="pt-BR" sz="1000" dirty="0" smtClean="0">
                 <a:solidFill>
                   <a:schemeClr val="tx1"/>
                 </a:solidFill>
               </a:rPr>
               <a:t>Recepção</a:t>
             </a:r>
-            <a:endParaRPr lang="pt-BR" sz="1000" b="1" dirty="0">
+            <a:endParaRPr lang="pt-BR" sz="1000" b="1" dirty="0" smtClean="0">
               <a:solidFill>
                 <a:schemeClr val="tx1"/>
               </a:solidFill>
@@ -13841,13 +14014,18 @@
           <a:p>
             <a:pPr algn="ctr"/>
             <a:r>
-              <a:rPr lang="pt-BR" sz="1000" b="1" dirty="0">
+              <a:rPr lang="pt-BR" sz="1000" b="1" dirty="0" smtClean="0">
                 <a:solidFill>
                   <a:schemeClr val="tx1"/>
                 </a:solidFill>
               </a:rPr>
               <a:t>(Nó Operacional)</a:t>
             </a:r>
+            <a:endParaRPr lang="pt-BR" sz="1000" b="1" dirty="0">
+              <a:solidFill>
+                <a:schemeClr val="tx1"/>
+              </a:solidFill>
+            </a:endParaRPr>
           </a:p>
         </p:txBody>
       </p:sp>
@@ -13925,7 +14103,7 @@
           <a:p>
             <a:pPr algn="ctr"/>
             <a:r>
-              <a:rPr lang="pt-BR" sz="1000" dirty="0"/>
+              <a:rPr lang="pt-BR" sz="1000" dirty="0" smtClean="0"/>
               <a:t>Tratar atualização das informações</a:t>
             </a:r>
           </a:p>
@@ -14016,7 +14194,7 @@
           <a:lstStyle/>
           <a:p>
             <a:r>
-              <a:rPr lang="pt-BR" sz="2800" dirty="0"/>
+              <a:rPr lang="pt-BR" sz="2800" dirty="0" smtClean="0"/>
               <a:t>3. Cenário: Agendar reserva área comum</a:t>
             </a:r>
           </a:p>
@@ -14062,9 +14240,10 @@
           <a:p>
             <a:pPr algn="ctr"/>
             <a:r>
-              <a:rPr lang="pt-BR" dirty="0"/>
+              <a:rPr lang="pt-BR" dirty="0" smtClean="0"/>
               <a:t>Morador</a:t>
             </a:r>
+            <a:endParaRPr lang="pt-BR" dirty="0"/>
           </a:p>
         </p:txBody>
       </p:sp>
@@ -14106,7 +14285,7 @@
           <a:p>
             <a:pPr algn="ctr"/>
             <a:r>
-              <a:rPr lang="pt-BR" dirty="0">
+              <a:rPr lang="pt-BR" dirty="0" smtClean="0">
                 <a:solidFill>
                   <a:schemeClr val="tx1"/>
                 </a:solidFill>
@@ -14124,7 +14303,7 @@
           </a:p>
           <a:p>
             <a:pPr algn="ctr"/>
-            <a:endParaRPr lang="pt-BR" dirty="0">
+            <a:endParaRPr lang="pt-BR" dirty="0" smtClean="0">
               <a:solidFill>
                 <a:schemeClr val="tx1"/>
               </a:solidFill>
@@ -14140,7 +14319,7 @@
           </a:p>
           <a:p>
             <a:pPr algn="ctr"/>
-            <a:endParaRPr lang="pt-BR" dirty="0">
+            <a:endParaRPr lang="pt-BR" dirty="0" smtClean="0">
               <a:solidFill>
                 <a:schemeClr val="tx1"/>
               </a:solidFill>
@@ -14156,7 +14335,7 @@
           </a:p>
           <a:p>
             <a:pPr algn="ctr"/>
-            <a:endParaRPr lang="pt-BR" dirty="0">
+            <a:endParaRPr lang="pt-BR" dirty="0" smtClean="0">
               <a:solidFill>
                 <a:schemeClr val="tx1"/>
               </a:solidFill>
@@ -14229,14 +14408,14 @@
           <a:p>
             <a:pPr algn="ctr"/>
             <a:r>
-              <a:rPr lang="pt-BR" sz="1000" dirty="0">
+              <a:rPr lang="pt-BR" sz="1000" dirty="0" smtClean="0">
                 <a:solidFill>
                   <a:schemeClr val="tx1"/>
                 </a:solidFill>
               </a:rPr>
               <a:t>Recepção</a:t>
             </a:r>
-            <a:endParaRPr lang="pt-BR" sz="1000" b="1" dirty="0">
+            <a:endParaRPr lang="pt-BR" sz="1000" b="1" dirty="0" smtClean="0">
               <a:solidFill>
                 <a:schemeClr val="tx1"/>
               </a:solidFill>
@@ -14245,13 +14424,18 @@
           <a:p>
             <a:pPr algn="ctr"/>
             <a:r>
-              <a:rPr lang="pt-BR" sz="1000" b="1" dirty="0">
+              <a:rPr lang="pt-BR" sz="1000" b="1" dirty="0" smtClean="0">
                 <a:solidFill>
                   <a:schemeClr val="tx1"/>
                 </a:solidFill>
               </a:rPr>
               <a:t>(Nó Operacional)</a:t>
             </a:r>
+            <a:endParaRPr lang="pt-BR" sz="1000" b="1" dirty="0">
+              <a:solidFill>
+                <a:schemeClr val="tx1"/>
+              </a:solidFill>
+            </a:endParaRPr>
           </a:p>
         </p:txBody>
       </p:sp>
@@ -14329,7 +14513,7 @@
           <a:p>
             <a:pPr algn="ctr"/>
             <a:r>
-              <a:rPr lang="pt-BR" sz="1000" b="1" dirty="0"/>
+              <a:rPr lang="pt-BR" sz="1000" b="1" dirty="0" smtClean="0"/>
               <a:t>Realizar agendamento</a:t>
             </a:r>
           </a:p>
@@ -14375,7 +14559,7 @@
     </p:spTree>
     <p:extLst>
       <p:ext uri="{BB962C8B-B14F-4D97-AF65-F5344CB8AC3E}">
-        <p14:creationId xmlns:p14="http://schemas.microsoft.com/office/powerpoint/2010/main" val="1193586103"/>
+        <p14:creationId xmlns:p14="http://schemas.microsoft.com/office/powerpoint/2010/main" xmlns="" val="1193586103"/>
       </p:ext>
     </p:extLst>
   </p:cSld>
@@ -14426,7 +14610,11 @@
           <a:p>
             <a:r>
               <a:rPr lang="pt-BR" sz="2800" dirty="0"/>
-              <a:t>4. Cenário: Solicitar reunião com o síndico</a:t>
+              <a:t>4</a:t>
+            </a:r>
+            <a:r>
+              <a:rPr lang="pt-BR" sz="2800" dirty="0" smtClean="0"/>
+              <a:t>. Cenário: Solicitar reunião com o síndico</a:t>
             </a:r>
           </a:p>
           <a:p>
@@ -14471,9 +14659,10 @@
           <a:p>
             <a:pPr algn="ctr"/>
             <a:r>
-              <a:rPr lang="pt-BR" dirty="0"/>
+              <a:rPr lang="pt-BR" dirty="0" smtClean="0"/>
               <a:t>Morador</a:t>
             </a:r>
+            <a:endParaRPr lang="pt-BR" dirty="0"/>
           </a:p>
         </p:txBody>
       </p:sp>
@@ -14515,7 +14704,7 @@
           <a:p>
             <a:pPr algn="ctr"/>
             <a:r>
-              <a:rPr lang="pt-BR" dirty="0">
+              <a:rPr lang="pt-BR" dirty="0" smtClean="0">
                 <a:solidFill>
                   <a:schemeClr val="tx1"/>
                 </a:solidFill>
@@ -14533,7 +14722,7 @@
           </a:p>
           <a:p>
             <a:pPr algn="ctr"/>
-            <a:endParaRPr lang="pt-BR" dirty="0">
+            <a:endParaRPr lang="pt-BR" dirty="0" smtClean="0">
               <a:solidFill>
                 <a:schemeClr val="tx1"/>
               </a:solidFill>
@@ -14549,7 +14738,7 @@
           </a:p>
           <a:p>
             <a:pPr algn="ctr"/>
-            <a:endParaRPr lang="pt-BR" dirty="0">
+            <a:endParaRPr lang="pt-BR" dirty="0" smtClean="0">
               <a:solidFill>
                 <a:schemeClr val="tx1"/>
               </a:solidFill>
@@ -14565,7 +14754,7 @@
           </a:p>
           <a:p>
             <a:pPr algn="ctr"/>
-            <a:endParaRPr lang="pt-BR" dirty="0">
+            <a:endParaRPr lang="pt-BR" dirty="0" smtClean="0">
               <a:solidFill>
                 <a:schemeClr val="tx1"/>
               </a:solidFill>
@@ -14638,14 +14827,14 @@
           <a:p>
             <a:pPr algn="ctr"/>
             <a:r>
-              <a:rPr lang="pt-BR" sz="1000" dirty="0">
+              <a:rPr lang="pt-BR" sz="1000" dirty="0" smtClean="0">
                 <a:solidFill>
                   <a:schemeClr val="tx1"/>
                 </a:solidFill>
               </a:rPr>
               <a:t>Recepção</a:t>
             </a:r>
-            <a:endParaRPr lang="pt-BR" sz="1000" b="1" dirty="0">
+            <a:endParaRPr lang="pt-BR" sz="1000" b="1" dirty="0" smtClean="0">
               <a:solidFill>
                 <a:schemeClr val="tx1"/>
               </a:solidFill>
@@ -14654,13 +14843,18 @@
           <a:p>
             <a:pPr algn="ctr"/>
             <a:r>
-              <a:rPr lang="pt-BR" sz="1000" b="1" dirty="0">
+              <a:rPr lang="pt-BR" sz="1000" b="1" dirty="0" smtClean="0">
                 <a:solidFill>
                   <a:schemeClr val="tx1"/>
                 </a:solidFill>
               </a:rPr>
               <a:t>(Nó Operacional)</a:t>
             </a:r>
+            <a:endParaRPr lang="pt-BR" sz="1000" b="1" dirty="0">
+              <a:solidFill>
+                <a:schemeClr val="tx1"/>
+              </a:solidFill>
+            </a:endParaRPr>
           </a:p>
         </p:txBody>
       </p:sp>
@@ -14738,7 +14932,7 @@
           <a:p>
             <a:pPr algn="ctr"/>
             <a:r>
-              <a:rPr lang="pt-BR" sz="1000" b="1" dirty="0"/>
+              <a:rPr lang="pt-BR" sz="1000" b="1" dirty="0" smtClean="0"/>
               <a:t>Agendar reunião com o síndico</a:t>
             </a:r>
           </a:p>
@@ -14830,14 +15024,14 @@
           <a:p>
             <a:pPr algn="ctr"/>
             <a:r>
-              <a:rPr lang="pt-BR" sz="1000" dirty="0">
+              <a:rPr lang="pt-BR" sz="1000" dirty="0" smtClean="0">
                 <a:solidFill>
                   <a:schemeClr val="tx1"/>
                 </a:solidFill>
               </a:rPr>
               <a:t>Escritório</a:t>
             </a:r>
-            <a:endParaRPr lang="pt-BR" sz="1000" b="1" dirty="0">
+            <a:endParaRPr lang="pt-BR" sz="1000" b="1" dirty="0" smtClean="0">
               <a:solidFill>
                 <a:schemeClr val="tx1"/>
               </a:solidFill>
@@ -14846,13 +15040,18 @@
           <a:p>
             <a:pPr algn="ctr"/>
             <a:r>
-              <a:rPr lang="pt-BR" sz="1000" b="1" dirty="0">
+              <a:rPr lang="pt-BR" sz="1000" b="1" dirty="0" smtClean="0">
                 <a:solidFill>
                   <a:schemeClr val="tx1"/>
                 </a:solidFill>
               </a:rPr>
               <a:t>(Nó Operacional)</a:t>
             </a:r>
+            <a:endParaRPr lang="pt-BR" sz="1000" b="1" dirty="0">
+              <a:solidFill>
+                <a:schemeClr val="tx1"/>
+              </a:solidFill>
+            </a:endParaRPr>
           </a:p>
         </p:txBody>
       </p:sp>
@@ -14897,9 +15096,14 @@
           <a:p>
             <a:pPr algn="ctr"/>
             <a:r>
-              <a:rPr lang="pt-BR" sz="1000" b="1" dirty="0"/>
-              <a:t>Definir Agenda</a:t>
+              <a:rPr lang="pt-BR" sz="1000" b="1" dirty="0" smtClean="0"/>
+              <a:t>Definir </a:t>
             </a:r>
+            <a:r>
+              <a:rPr lang="pt-BR" sz="1000" b="1" dirty="0" smtClean="0"/>
+              <a:t>Agenda</a:t>
+            </a:r>
+            <a:endParaRPr lang="pt-BR" sz="1000" b="1" dirty="0" smtClean="0"/>
           </a:p>
         </p:txBody>
       </p:sp>
@@ -14939,7 +15143,7 @@
     </p:spTree>
     <p:extLst>
       <p:ext uri="{BB962C8B-B14F-4D97-AF65-F5344CB8AC3E}">
-        <p14:creationId xmlns:p14="http://schemas.microsoft.com/office/powerpoint/2010/main" val="1069809818"/>
+        <p14:creationId xmlns:p14="http://schemas.microsoft.com/office/powerpoint/2010/main" xmlns="" val="1069809818"/>
       </p:ext>
     </p:extLst>
   </p:cSld>
@@ -14989,9 +15193,10 @@
           <a:lstStyle/>
           <a:p>
             <a:r>
-              <a:rPr lang="pt-BR" sz="2800" dirty="0"/>
+              <a:rPr lang="pt-BR" sz="2800" dirty="0" smtClean="0"/>
               <a:t>5. Cenário: Solicitar reunião com a administração</a:t>
             </a:r>
+            <a:endParaRPr lang="pt-BR" sz="2800" dirty="0"/>
           </a:p>
         </p:txBody>
       </p:sp>
@@ -15032,9 +15237,10 @@
           <a:p>
             <a:pPr algn="ctr"/>
             <a:r>
-              <a:rPr lang="pt-BR" dirty="0"/>
+              <a:rPr lang="pt-BR" dirty="0" smtClean="0"/>
               <a:t>Morador</a:t>
             </a:r>
+            <a:endParaRPr lang="pt-BR" dirty="0"/>
           </a:p>
         </p:txBody>
       </p:sp>
@@ -15076,7 +15282,7 @@
           <a:p>
             <a:pPr algn="ctr"/>
             <a:r>
-              <a:rPr lang="pt-BR" dirty="0">
+              <a:rPr lang="pt-BR" dirty="0" smtClean="0">
                 <a:solidFill>
                   <a:schemeClr val="tx1"/>
                 </a:solidFill>
@@ -15094,7 +15300,7 @@
           </a:p>
           <a:p>
             <a:pPr algn="ctr"/>
-            <a:endParaRPr lang="pt-BR" dirty="0">
+            <a:endParaRPr lang="pt-BR" dirty="0" smtClean="0">
               <a:solidFill>
                 <a:schemeClr val="tx1"/>
               </a:solidFill>
@@ -15110,7 +15316,7 @@
           </a:p>
           <a:p>
             <a:pPr algn="ctr"/>
-            <a:endParaRPr lang="pt-BR" dirty="0">
+            <a:endParaRPr lang="pt-BR" dirty="0" smtClean="0">
               <a:solidFill>
                 <a:schemeClr val="tx1"/>
               </a:solidFill>
@@ -15126,7 +15332,7 @@
           </a:p>
           <a:p>
             <a:pPr algn="ctr"/>
-            <a:endParaRPr lang="pt-BR" dirty="0">
+            <a:endParaRPr lang="pt-BR" dirty="0" smtClean="0">
               <a:solidFill>
                 <a:schemeClr val="tx1"/>
               </a:solidFill>
@@ -15199,14 +15405,14 @@
           <a:p>
             <a:pPr algn="ctr"/>
             <a:r>
-              <a:rPr lang="pt-BR" sz="1000" dirty="0">
+              <a:rPr lang="pt-BR" sz="1000" dirty="0" smtClean="0">
                 <a:solidFill>
                   <a:schemeClr val="tx1"/>
                 </a:solidFill>
               </a:rPr>
               <a:t>Recepção</a:t>
             </a:r>
-            <a:endParaRPr lang="pt-BR" sz="1000" b="1" dirty="0">
+            <a:endParaRPr lang="pt-BR" sz="1000" b="1" dirty="0" smtClean="0">
               <a:solidFill>
                 <a:schemeClr val="tx1"/>
               </a:solidFill>
@@ -15215,13 +15421,18 @@
           <a:p>
             <a:pPr algn="ctr"/>
             <a:r>
-              <a:rPr lang="pt-BR" sz="1000" b="1" dirty="0">
+              <a:rPr lang="pt-BR" sz="1000" b="1" dirty="0" smtClean="0">
                 <a:solidFill>
                   <a:schemeClr val="tx1"/>
                 </a:solidFill>
               </a:rPr>
               <a:t>(Nó Operacional)</a:t>
             </a:r>
+            <a:endParaRPr lang="pt-BR" sz="1000" b="1" dirty="0">
+              <a:solidFill>
+                <a:schemeClr val="tx1"/>
+              </a:solidFill>
+            </a:endParaRPr>
           </a:p>
         </p:txBody>
       </p:sp>
@@ -15299,7 +15510,7 @@
           <a:p>
             <a:pPr algn="ctr"/>
             <a:r>
-              <a:rPr lang="pt-BR" sz="1000" b="1" dirty="0"/>
+              <a:rPr lang="pt-BR" sz="1000" b="1" dirty="0" smtClean="0"/>
               <a:t>Agendar reunião  com administração</a:t>
             </a:r>
           </a:p>
@@ -15345,7 +15556,7 @@
     </p:spTree>
     <p:extLst>
       <p:ext uri="{BB962C8B-B14F-4D97-AF65-F5344CB8AC3E}">
-        <p14:creationId xmlns:p14="http://schemas.microsoft.com/office/powerpoint/2010/main" val="3138953383"/>
+        <p14:creationId xmlns:p14="http://schemas.microsoft.com/office/powerpoint/2010/main" xmlns="" val="3138953383"/>
       </p:ext>
     </p:extLst>
   </p:cSld>
@@ -15392,24 +15603,44 @@
           <a:bodyPr/>
           <a:lstStyle/>
           <a:p>
+            <a:r>
+              <a:rPr lang="pt-BR" sz="2800" dirty="0" smtClean="0"/>
+              <a:t/>
+            </a:r>
             <a:br>
-              <a:rPr lang="pt-BR" sz="2800" dirty="0"/>
-            </a:br>
-            <a:br>
-              <a:rPr lang="pt-BR" sz="2800" dirty="0"/>
-            </a:br>
-            <a:br>
-              <a:rPr lang="pt-BR" sz="2800" dirty="0"/>
+              <a:rPr lang="pt-BR" sz="2800" dirty="0" smtClean="0"/>
             </a:br>
             <a:r>
-              <a:rPr lang="pt-BR" sz="2800" dirty="0"/>
+              <a:rPr lang="pt-BR" sz="2800" dirty="0" smtClean="0"/>
+              <a:t/>
+            </a:r>
+            <a:br>
+              <a:rPr lang="pt-BR" sz="2800" dirty="0" smtClean="0"/>
+            </a:br>
+            <a:r>
+              <a:rPr lang="pt-BR" sz="2800" dirty="0" smtClean="0"/>
+              <a:t/>
+            </a:r>
+            <a:br>
+              <a:rPr lang="pt-BR" sz="2800" dirty="0" smtClean="0"/>
+            </a:br>
+            <a:r>
+              <a:rPr lang="pt-BR" sz="2800" dirty="0" smtClean="0"/>
               <a:t>6. Cenário: Retirar chave do salão área comum com Administração </a:t>
             </a:r>
+            <a:r>
+              <a:rPr lang="pt-BR" dirty="0" smtClean="0"/>
+              <a:t/>
+            </a:r>
             <a:br>
-              <a:rPr lang="pt-BR" dirty="0"/>
+              <a:rPr lang="pt-BR" dirty="0" smtClean="0"/>
             </a:br>
+            <a:r>
+              <a:rPr lang="pt-BR" dirty="0" smtClean="0"/>
+              <a:t/>
+            </a:r>
             <a:br>
-              <a:rPr lang="pt-BR" dirty="0"/>
+              <a:rPr lang="pt-BR" dirty="0" smtClean="0"/>
             </a:br>
             <a:endParaRPr lang="pt-BR" dirty="0"/>
           </a:p>
@@ -15452,9 +15683,10 @@
           <a:p>
             <a:pPr algn="ctr"/>
             <a:r>
-              <a:rPr lang="pt-BR" dirty="0"/>
+              <a:rPr lang="pt-BR" dirty="0" smtClean="0"/>
               <a:t>Morador</a:t>
             </a:r>
+            <a:endParaRPr lang="pt-BR" dirty="0"/>
           </a:p>
         </p:txBody>
       </p:sp>
@@ -15496,7 +15728,7 @@
           <a:p>
             <a:pPr algn="ctr"/>
             <a:r>
-              <a:rPr lang="pt-BR" dirty="0">
+              <a:rPr lang="pt-BR" dirty="0" smtClean="0">
                 <a:solidFill>
                   <a:schemeClr val="tx1"/>
                 </a:solidFill>
@@ -15514,7 +15746,7 @@
           </a:p>
           <a:p>
             <a:pPr algn="ctr"/>
-            <a:endParaRPr lang="pt-BR" dirty="0">
+            <a:endParaRPr lang="pt-BR" dirty="0" smtClean="0">
               <a:solidFill>
                 <a:schemeClr val="tx1"/>
               </a:solidFill>
@@ -15530,7 +15762,7 @@
           </a:p>
           <a:p>
             <a:pPr algn="ctr"/>
-            <a:endParaRPr lang="pt-BR" dirty="0">
+            <a:endParaRPr lang="pt-BR" dirty="0" smtClean="0">
               <a:solidFill>
                 <a:schemeClr val="tx1"/>
               </a:solidFill>
@@ -15546,7 +15778,7 @@
           </a:p>
           <a:p>
             <a:pPr algn="ctr"/>
-            <a:endParaRPr lang="pt-BR" dirty="0">
+            <a:endParaRPr lang="pt-BR" dirty="0" smtClean="0">
               <a:solidFill>
                 <a:schemeClr val="tx1"/>
               </a:solidFill>
@@ -15619,14 +15851,14 @@
           <a:p>
             <a:pPr algn="ctr"/>
             <a:r>
-              <a:rPr lang="pt-BR" sz="1000" dirty="0">
+              <a:rPr lang="pt-BR" sz="1000" dirty="0" smtClean="0">
                 <a:solidFill>
                   <a:schemeClr val="tx1"/>
                 </a:solidFill>
               </a:rPr>
               <a:t>Recepção</a:t>
             </a:r>
-            <a:endParaRPr lang="pt-BR" sz="1000" b="1" dirty="0">
+            <a:endParaRPr lang="pt-BR" sz="1000" b="1" dirty="0" smtClean="0">
               <a:solidFill>
                 <a:schemeClr val="tx1"/>
               </a:solidFill>
@@ -15635,13 +15867,18 @@
           <a:p>
             <a:pPr algn="ctr"/>
             <a:r>
-              <a:rPr lang="pt-BR" sz="1000" b="1" dirty="0">
+              <a:rPr lang="pt-BR" sz="1000" b="1" dirty="0" smtClean="0">
                 <a:solidFill>
                   <a:schemeClr val="tx1"/>
                 </a:solidFill>
               </a:rPr>
               <a:t>(Nó Operacional)</a:t>
             </a:r>
+            <a:endParaRPr lang="pt-BR" sz="1000" b="1" dirty="0">
+              <a:solidFill>
+                <a:schemeClr val="tx1"/>
+              </a:solidFill>
+            </a:endParaRPr>
           </a:p>
         </p:txBody>
       </p:sp>
@@ -15719,16 +15956,34 @@
           <a:p>
             <a:pPr marL="342900" indent="-342900"/>
             <a:r>
-              <a:rPr lang="pt-BR" sz="1000" dirty="0"/>
-              <a:t>Tratar  retirada da  chave do </a:t>
+              <a:rPr lang="pt-BR" sz="1000" dirty="0" smtClean="0"/>
+              <a:t>Tratar  retirada </a:t>
             </a:r>
+            <a:r>
+              <a:rPr lang="pt-BR" sz="1000" dirty="0" smtClean="0"/>
+              <a:t>da  chave </a:t>
+            </a:r>
+            <a:r>
+              <a:rPr lang="pt-BR" sz="1000" dirty="0" smtClean="0"/>
+              <a:t>do </a:t>
+            </a:r>
+            <a:endParaRPr lang="pt-BR" sz="1000" dirty="0" smtClean="0"/>
           </a:p>
           <a:p>
             <a:pPr marL="342900" indent="-342900"/>
             <a:r>
-              <a:rPr lang="pt-BR" sz="1000" dirty="0"/>
-              <a:t>             Salão de Festas </a:t>
+              <a:rPr lang="pt-BR" sz="1000" dirty="0" smtClean="0"/>
+              <a:t> </a:t>
             </a:r>
+            <a:r>
+              <a:rPr lang="pt-BR" sz="1000" dirty="0" smtClean="0"/>
+              <a:t>            </a:t>
+            </a:r>
+            <a:r>
+              <a:rPr lang="pt-BR" sz="1000" dirty="0" smtClean="0"/>
+              <a:t>Salão de Festas </a:t>
+            </a:r>
+            <a:endParaRPr lang="pt-BR" sz="1000" dirty="0" smtClean="0"/>
           </a:p>
         </p:txBody>
       </p:sp>
@@ -15810,27 +16065,47 @@
           <a:bodyPr/>
           <a:lstStyle/>
           <a:p>
+            <a:r>
+              <a:rPr lang="pt-BR" sz="2800" dirty="0" smtClean="0"/>
+              <a:t/>
+            </a:r>
             <a:br>
-              <a:rPr lang="pt-BR" sz="2800" dirty="0"/>
-            </a:br>
-            <a:br>
-              <a:rPr lang="pt-BR" sz="2800" dirty="0"/>
-            </a:br>
-            <a:br>
-              <a:rPr lang="pt-BR" sz="2800" dirty="0"/>
+              <a:rPr lang="pt-BR" sz="2800" dirty="0" smtClean="0"/>
             </a:br>
             <a:r>
-              <a:rPr lang="pt-BR" sz="2800" dirty="0"/>
+              <a:rPr lang="pt-BR" sz="2800" dirty="0" smtClean="0"/>
+              <a:t/>
+            </a:r>
+            <a:br>
+              <a:rPr lang="pt-BR" sz="2800" dirty="0" smtClean="0"/>
+            </a:br>
+            <a:r>
+              <a:rPr lang="pt-BR" sz="2800" dirty="0" smtClean="0"/>
+              <a:t/>
+            </a:r>
+            <a:br>
+              <a:rPr lang="pt-BR" sz="2800" dirty="0" smtClean="0"/>
+            </a:br>
+            <a:r>
+              <a:rPr lang="pt-BR" sz="2800" dirty="0" smtClean="0"/>
               <a:t>7. Cenário: Cadastrar prestador de serviço </a:t>
             </a:r>
             <a:br>
-              <a:rPr lang="pt-BR" sz="2800" dirty="0"/>
+              <a:rPr lang="pt-BR" sz="2800" dirty="0" smtClean="0"/>
             </a:br>
+            <a:r>
+              <a:rPr lang="pt-BR" dirty="0" smtClean="0"/>
+              <a:t/>
+            </a:r>
             <a:br>
-              <a:rPr lang="pt-BR" dirty="0"/>
+              <a:rPr lang="pt-BR" dirty="0" smtClean="0"/>
             </a:br>
+            <a:r>
+              <a:rPr lang="pt-BR" dirty="0" smtClean="0"/>
+              <a:t/>
+            </a:r>
             <a:br>
-              <a:rPr lang="pt-BR" dirty="0"/>
+              <a:rPr lang="pt-BR" dirty="0" smtClean="0"/>
             </a:br>
             <a:endParaRPr lang="pt-BR" dirty="0"/>
           </a:p>
@@ -15892,9 +16167,10 @@
           <a:p>
             <a:pPr algn="ctr"/>
             <a:r>
-              <a:rPr lang="pt-BR" dirty="0"/>
+              <a:rPr lang="pt-BR" dirty="0" smtClean="0"/>
               <a:t>Morador</a:t>
             </a:r>
+            <a:endParaRPr lang="pt-BR" dirty="0"/>
           </a:p>
         </p:txBody>
       </p:sp>
@@ -15936,7 +16212,7 @@
           <a:p>
             <a:pPr algn="ctr"/>
             <a:r>
-              <a:rPr lang="pt-BR" dirty="0">
+              <a:rPr lang="pt-BR" dirty="0" smtClean="0">
                 <a:solidFill>
                   <a:schemeClr val="tx1"/>
                 </a:solidFill>
@@ -15954,7 +16230,7 @@
           </a:p>
           <a:p>
             <a:pPr algn="ctr"/>
-            <a:endParaRPr lang="pt-BR" dirty="0">
+            <a:endParaRPr lang="pt-BR" dirty="0" smtClean="0">
               <a:solidFill>
                 <a:schemeClr val="tx1"/>
               </a:solidFill>
@@ -15970,7 +16246,7 @@
           </a:p>
           <a:p>
             <a:pPr algn="ctr"/>
-            <a:endParaRPr lang="pt-BR" dirty="0">
+            <a:endParaRPr lang="pt-BR" dirty="0" smtClean="0">
               <a:solidFill>
                 <a:schemeClr val="tx1"/>
               </a:solidFill>
@@ -15986,7 +16262,7 @@
           </a:p>
           <a:p>
             <a:pPr algn="ctr"/>
-            <a:endParaRPr lang="pt-BR" dirty="0">
+            <a:endParaRPr lang="pt-BR" dirty="0" smtClean="0">
               <a:solidFill>
                 <a:schemeClr val="tx1"/>
               </a:solidFill>
@@ -16059,14 +16335,14 @@
           <a:p>
             <a:pPr algn="ctr"/>
             <a:r>
-              <a:rPr lang="pt-BR" sz="1000" dirty="0">
+              <a:rPr lang="pt-BR" sz="1000" dirty="0" smtClean="0">
                 <a:solidFill>
                   <a:schemeClr val="tx1"/>
                 </a:solidFill>
               </a:rPr>
               <a:t>Recepção</a:t>
             </a:r>
-            <a:endParaRPr lang="pt-BR" sz="1000" b="1" dirty="0">
+            <a:endParaRPr lang="pt-BR" sz="1000" b="1" dirty="0" smtClean="0">
               <a:solidFill>
                 <a:schemeClr val="tx1"/>
               </a:solidFill>
@@ -16075,13 +16351,18 @@
           <a:p>
             <a:pPr algn="ctr"/>
             <a:r>
-              <a:rPr lang="pt-BR" sz="1000" b="1" dirty="0">
+              <a:rPr lang="pt-BR" sz="1000" b="1" dirty="0" smtClean="0">
                 <a:solidFill>
                   <a:schemeClr val="tx1"/>
                 </a:solidFill>
               </a:rPr>
               <a:t>(Nó Operacional)</a:t>
             </a:r>
+            <a:endParaRPr lang="pt-BR" sz="1000" b="1" dirty="0">
+              <a:solidFill>
+                <a:schemeClr val="tx1"/>
+              </a:solidFill>
+            </a:endParaRPr>
           </a:p>
         </p:txBody>
       </p:sp>
@@ -16159,7 +16440,7 @@
           <a:p>
             <a:pPr algn="ctr"/>
             <a:r>
-              <a:rPr lang="pt-BR" sz="1000" dirty="0"/>
+              <a:rPr lang="pt-BR" sz="1000" dirty="0" smtClean="0"/>
               <a:t>Cadastrar prestador de serviços</a:t>
             </a:r>
           </a:p>
@@ -16242,15 +16523,19 @@
           <a:bodyPr/>
           <a:lstStyle/>
           <a:p>
+            <a:r>
+              <a:rPr lang="pt-BR" sz="2800" dirty="0" smtClean="0"/>
+              <a:t/>
+            </a:r>
             <a:br>
-              <a:rPr lang="pt-BR" sz="2800" dirty="0"/>
+              <a:rPr lang="pt-BR" sz="2800" dirty="0" smtClean="0"/>
             </a:br>
             <a:r>
-              <a:rPr lang="pt-BR" sz="2800" dirty="0"/>
+              <a:rPr lang="pt-BR" sz="2800" dirty="0" smtClean="0"/>
               <a:t>8. Cenário: Cancelar reserva área comum </a:t>
             </a:r>
             <a:br>
-              <a:rPr lang="pt-BR" sz="2800" dirty="0"/>
+              <a:rPr lang="pt-BR" sz="2800" dirty="0" smtClean="0"/>
             </a:br>
             <a:endParaRPr lang="pt-BR" sz="2800" dirty="0"/>
           </a:p>
@@ -16293,9 +16578,10 @@
           <a:p>
             <a:pPr algn="ctr"/>
             <a:r>
-              <a:rPr lang="pt-BR" dirty="0"/>
+              <a:rPr lang="pt-BR" dirty="0" smtClean="0"/>
               <a:t>Morador</a:t>
             </a:r>
+            <a:endParaRPr lang="pt-BR" dirty="0"/>
           </a:p>
         </p:txBody>
       </p:sp>
@@ -16337,7 +16623,7 @@
           <a:p>
             <a:pPr algn="ctr"/>
             <a:r>
-              <a:rPr lang="pt-BR" dirty="0">
+              <a:rPr lang="pt-BR" dirty="0" smtClean="0">
                 <a:solidFill>
                   <a:schemeClr val="tx1"/>
                 </a:solidFill>
@@ -16355,7 +16641,7 @@
           </a:p>
           <a:p>
             <a:pPr algn="ctr"/>
-            <a:endParaRPr lang="pt-BR" dirty="0">
+            <a:endParaRPr lang="pt-BR" dirty="0" smtClean="0">
               <a:solidFill>
                 <a:schemeClr val="tx1"/>
               </a:solidFill>
@@ -16371,7 +16657,7 @@
           </a:p>
           <a:p>
             <a:pPr algn="ctr"/>
-            <a:endParaRPr lang="pt-BR" dirty="0">
+            <a:endParaRPr lang="pt-BR" dirty="0" smtClean="0">
               <a:solidFill>
                 <a:schemeClr val="tx1"/>
               </a:solidFill>
@@ -16387,7 +16673,7 @@
           </a:p>
           <a:p>
             <a:pPr algn="ctr"/>
-            <a:endParaRPr lang="pt-BR" dirty="0">
+            <a:endParaRPr lang="pt-BR" dirty="0" smtClean="0">
               <a:solidFill>
                 <a:schemeClr val="tx1"/>
               </a:solidFill>
@@ -16460,14 +16746,14 @@
           <a:p>
             <a:pPr algn="ctr"/>
             <a:r>
-              <a:rPr lang="pt-BR" sz="1000" dirty="0">
+              <a:rPr lang="pt-BR" sz="1000" dirty="0" smtClean="0">
                 <a:solidFill>
                   <a:schemeClr val="tx1"/>
                 </a:solidFill>
               </a:rPr>
               <a:t>Recepção</a:t>
             </a:r>
-            <a:endParaRPr lang="pt-BR" sz="1000" b="1" dirty="0">
+            <a:endParaRPr lang="pt-BR" sz="1000" b="1" dirty="0" smtClean="0">
               <a:solidFill>
                 <a:schemeClr val="tx1"/>
               </a:solidFill>
@@ -16476,13 +16762,18 @@
           <a:p>
             <a:pPr algn="ctr"/>
             <a:r>
-              <a:rPr lang="pt-BR" sz="1000" b="1" dirty="0">
+              <a:rPr lang="pt-BR" sz="1000" b="1" dirty="0" smtClean="0">
                 <a:solidFill>
                   <a:schemeClr val="tx1"/>
                 </a:solidFill>
               </a:rPr>
               <a:t>(Nó Operacional)</a:t>
             </a:r>
+            <a:endParaRPr lang="pt-BR" sz="1000" b="1" dirty="0">
+              <a:solidFill>
+                <a:schemeClr val="tx1"/>
+              </a:solidFill>
+            </a:endParaRPr>
           </a:p>
         </p:txBody>
       </p:sp>
@@ -16560,16 +16851,22 @@
           <a:p>
             <a:pPr algn="ctr"/>
             <a:r>
-              <a:rPr lang="pt-BR" sz="1000" b="1" dirty="0"/>
-              <a:t>Cancelar Reserva</a:t>
+              <a:rPr lang="pt-BR" sz="1000" b="1" dirty="0" smtClean="0"/>
+              <a:t>Cancelar </a:t>
             </a:r>
+            <a:r>
+              <a:rPr lang="pt-BR" sz="1000" b="1" dirty="0" smtClean="0"/>
+              <a:t>Reserva</a:t>
+            </a:r>
+            <a:endParaRPr lang="pt-BR" sz="1000" b="1" dirty="0" smtClean="0"/>
           </a:p>
           <a:p>
             <a:pPr algn="ctr"/>
             <a:r>
-              <a:rPr lang="pt-BR" sz="800" b="1" dirty="0"/>
+              <a:rPr lang="pt-BR" sz="800" b="1" dirty="0" smtClean="0"/>
               <a:t>Área Comum</a:t>
             </a:r>
+            <a:endParaRPr lang="pt-BR" sz="800" b="1" dirty="0"/>
           </a:p>
         </p:txBody>
       </p:sp>
